--- a/encadrés limites.pptx
+++ b/encadrés limites.pptx
@@ -6,8 +6,8 @@
   </p:sldMasterIdLst>
   <p:sldIdLst>
     <p:sldId id="256" r:id="rId2"/>
-    <p:sldId id="257" r:id="rId3"/>
-    <p:sldId id="258" r:id="rId4"/>
+    <p:sldId id="259" r:id="rId3"/>
+    <p:sldId id="260" r:id="rId4"/>
   </p:sldIdLst>
   <p:sldSz cx="12192000" cy="6858000"/>
   <p:notesSz cx="6858000" cy="9144000"/>
@@ -106,6 +106,11 @@
       </a:defRPr>
     </a:lvl9pPr>
   </p:defaultTextStyle>
+  <p:extLst>
+    <p:ext uri="{EFAFB233-063F-42B5-8137-9DF3F51BA10A}">
+      <p15:sldGuideLst xmlns:p15="http://schemas.microsoft.com/office/powerpoint/2012/main"/>
+    </p:ext>
+  </p:extLst>
 </p:presentation>
 </file>
 
@@ -2975,7 +2980,7 @@
         <p:spPr>
           <a:xfrm>
             <a:off x="2755900" y="1625600"/>
-            <a:ext cx="7696200" cy="2862322"/>
+            <a:ext cx="5726363" cy="4247317"/>
           </a:xfrm>
           <a:prstGeom prst="rect">
             <a:avLst/>
@@ -3171,7 +3176,7 @@
         </p:blipFill>
         <p:spPr>
           <a:xfrm>
-            <a:off x="2892427" y="1078208"/>
+            <a:off x="2928523" y="969920"/>
             <a:ext cx="650874" cy="650874"/>
           </a:xfrm>
           <a:prstGeom prst="rect">
@@ -3187,8 +3192,8 @@
         </p:nvSpPr>
         <p:spPr>
           <a:xfrm>
-            <a:off x="3811587" y="1063919"/>
-            <a:ext cx="6777039" cy="923330"/>
+            <a:off x="3787523" y="791448"/>
+            <a:ext cx="4670675" cy="1200329"/>
           </a:xfrm>
           <a:prstGeom prst="rect">
             <a:avLst/>
@@ -3201,6 +3206,7 @@
           </a:bodyPr>
           <a:lstStyle/>
           <a:p>
+            <a:pPr algn="just"/>
             <a:r>
               <a:rPr lang="fr-FR" dirty="0" smtClean="0"/>
               <a:t>Le gouvernement clame </a:t>
@@ -3220,6 +3226,47 @@
           </a:p>
           <a:p>
             <a:endParaRPr lang="fr-FR" dirty="0"/>
+          </a:p>
+        </p:txBody>
+      </p:sp>
+      <p:sp>
+        <p:nvSpPr>
+          <p:cNvPr id="3" name="Rectangle à coins arrondis 2"/>
+          <p:cNvSpPr/>
+          <p:nvPr/>
+        </p:nvSpPr>
+        <p:spPr>
+          <a:xfrm>
+            <a:off x="2755900" y="571500"/>
+            <a:ext cx="5973763" cy="5486400"/>
+          </a:xfrm>
+          <a:prstGeom prst="roundRect">
+            <a:avLst/>
+          </a:prstGeom>
+          <a:noFill/>
+        </p:spPr>
+        <p:style>
+          <a:lnRef idx="2">
+            <a:schemeClr val="accent1">
+              <a:shade val="50000"/>
+            </a:schemeClr>
+          </a:lnRef>
+          <a:fillRef idx="1">
+            <a:schemeClr val="accent1"/>
+          </a:fillRef>
+          <a:effectRef idx="0">
+            <a:schemeClr val="accent1"/>
+          </a:effectRef>
+          <a:fontRef idx="minor">
+            <a:schemeClr val="lt1"/>
+          </a:fontRef>
+        </p:style>
+        <p:txBody>
+          <a:bodyPr rtlCol="0" anchor="ctr"/>
+          <a:lstStyle/>
+          <a:p>
+            <a:pPr algn="ctr"/>
+            <a:endParaRPr lang="fr-FR"/>
           </a:p>
         </p:txBody>
       </p:sp>
@@ -3233,6 +3280,13 @@
   <p:clrMapOvr>
     <a:masterClrMapping/>
   </p:clrMapOvr>
+  <p:timing>
+    <p:tnLst>
+      <p:par>
+        <p:cTn id="1" dur="indefinite" restart="never" nodeType="tmRoot"/>
+      </p:par>
+    </p:tnLst>
+  </p:timing>
 </p:sld>
 </file>
 
@@ -3262,7 +3316,7 @@
         <p:spPr>
           <a:xfrm>
             <a:off x="2755900" y="1625600"/>
-            <a:ext cx="5159375" cy="2031325"/>
+            <a:ext cx="5726363" cy="2585323"/>
           </a:xfrm>
           <a:prstGeom prst="rect">
             <a:avLst/>
@@ -3279,12 +3333,30 @@
               <a:buFont typeface="Wingdings" charset="2"/>
               <a:buChar char="Ø"/>
             </a:pPr>
+            <a:endParaRPr lang="fr-FR" dirty="0" smtClean="0"/>
+          </a:p>
+          <a:p>
+            <a:pPr marL="285750" indent="-285750" algn="just">
+              <a:buFont typeface="Wingdings" charset="2"/>
+              <a:buChar char="Ø"/>
+            </a:pPr>
+            <a:endParaRPr lang="fr-FR" dirty="0" smtClean="0"/>
+          </a:p>
+          <a:p>
+            <a:pPr marL="285750" indent="-285750" algn="just">
+              <a:buFont typeface="Wingdings" charset="2"/>
+              <a:buChar char="Ø"/>
+            </a:pPr>
             <a:r>
               <a:rPr lang="fr-FR" dirty="0" smtClean="0"/>
-              <a:t>Des participants frénétiques ont fait gonfler les chiffres : le participant le plus actif a déposé </a:t>
-            </a:r>
-            <a:r>
-              <a:rPr lang="fr-FR" b="1" dirty="0" smtClean="0">
+              <a:t>Des </a:t>
+            </a:r>
+            <a:r>
+              <a:rPr lang="fr-FR" dirty="0"/>
+              <a:t>participants frénétiques ont fait gonfler les chiffres : le participant le plus actif a déposé </a:t>
+            </a:r>
+            <a:r>
+              <a:rPr lang="fr-FR" b="1" dirty="0">
                 <a:solidFill>
                   <a:schemeClr val="accent1"/>
                 </a:solidFill>
@@ -3292,7 +3364,7 @@
               <a:t>472</a:t>
             </a:r>
             <a:r>
-              <a:rPr lang="fr-FR" dirty="0" smtClean="0">
+              <a:rPr lang="fr-FR" dirty="0">
                 <a:solidFill>
                   <a:schemeClr val="accent1"/>
                 </a:solidFill>
@@ -3300,11 +3372,11 @@
               <a:t> </a:t>
             </a:r>
             <a:r>
-              <a:rPr lang="fr-FR" dirty="0" smtClean="0"/>
+              <a:rPr lang="fr-FR" dirty="0"/>
               <a:t>contributions, avec plus de </a:t>
             </a:r>
             <a:r>
-              <a:rPr lang="fr-FR" b="1" dirty="0" smtClean="0">
+              <a:rPr lang="fr-FR" b="1" dirty="0">
                 <a:solidFill>
                   <a:schemeClr val="accent1"/>
                 </a:solidFill>
@@ -3312,7 +3384,7 @@
               <a:t>11 000 </a:t>
             </a:r>
             <a:r>
-              <a:rPr lang="fr-FR" dirty="0" smtClean="0"/>
+              <a:rPr lang="fr-FR" dirty="0"/>
               <a:t>textes écrits dans les champs de libre expressions</a:t>
             </a:r>
           </a:p>
@@ -3322,11 +3394,11 @@
               <a:buChar char="Ø"/>
             </a:pPr>
             <a:r>
-              <a:rPr lang="fr-FR" dirty="0" smtClean="0"/>
+              <a:rPr lang="fr-FR" dirty="0"/>
               <a:t>Le texte le plus long comporte </a:t>
             </a:r>
             <a:r>
-              <a:rPr lang="fr-FR" b="1" dirty="0" smtClean="0">
+              <a:rPr lang="fr-FR" b="1" dirty="0">
                 <a:solidFill>
                   <a:schemeClr val="accent1"/>
                 </a:solidFill>
@@ -3334,11 +3406,11 @@
               <a:t>350 000 </a:t>
             </a:r>
             <a:r>
-              <a:rPr lang="fr-FR" dirty="0" smtClean="0"/>
+              <a:rPr lang="fr-FR" dirty="0"/>
               <a:t>caractères mais on ne compte en moyenne que </a:t>
             </a:r>
             <a:r>
-              <a:rPr lang="fr-FR" b="1" dirty="0" smtClean="0">
+              <a:rPr lang="fr-FR" b="1" dirty="0">
                 <a:solidFill>
                   <a:schemeClr val="accent1"/>
                 </a:solidFill>
@@ -3346,7 +3418,7 @@
               <a:t>17 mots </a:t>
             </a:r>
             <a:r>
-              <a:rPr lang="fr-FR" dirty="0" smtClean="0"/>
+              <a:rPr lang="fr-FR" dirty="0"/>
               <a:t>par champ d’expression</a:t>
             </a:r>
             <a:endParaRPr lang="fr-FR" dirty="0"/>
@@ -3361,8 +3433,8 @@
         </p:nvSpPr>
         <p:spPr>
           <a:xfrm>
-            <a:off x="3811587" y="755076"/>
-            <a:ext cx="4103688" cy="1200329"/>
+            <a:off x="3787523" y="791448"/>
+            <a:ext cx="4670675" cy="1200329"/>
           </a:xfrm>
           <a:prstGeom prst="rect">
             <a:avLst/>
@@ -3377,19 +3449,11 @@
           <a:p>
             <a:pPr algn="just"/>
             <a:r>
-              <a:rPr lang="fr-FR" dirty="0" smtClean="0"/>
-              <a:t>Les </a:t>
-            </a:r>
-            <a:r>
               <a:rPr lang="fr-FR" dirty="0"/>
-              <a:t>1,5 million de </a:t>
-            </a:r>
-            <a:r>
-              <a:rPr lang="fr-FR" dirty="0" smtClean="0"/>
-              <a:t>contributeurs au Grand Débat </a:t>
-            </a:r>
-            <a:r>
-              <a:rPr lang="fr-FR" b="1" dirty="0" smtClean="0">
+              <a:t>Les 1,5 million de contributeurs au Grand Débat </a:t>
+            </a:r>
+            <a:r>
+              <a:rPr lang="fr-FR" b="1" dirty="0">
                 <a:solidFill>
                   <a:schemeClr val="accent1"/>
                 </a:solidFill>
@@ -3397,7 +3461,7 @@
               <a:t>n’y ont pas participé de façon équivalente</a:t>
             </a:r>
             <a:r>
-              <a:rPr lang="fr-FR" dirty="0" smtClean="0"/>
+              <a:rPr lang="fr-FR" dirty="0"/>
               <a:t>, loin s’en faut.</a:t>
             </a:r>
           </a:p>
@@ -3408,7 +3472,7 @@
       </p:sp>
       <p:pic>
         <p:nvPicPr>
-          <p:cNvPr id="2" name="Image 1"/>
+          <p:cNvPr id="7" name="Image 6"/>
           <p:cNvPicPr>
             <a:picLocks noChangeAspect="1"/>
           </p:cNvPicPr>
@@ -3438,16 +3502,64 @@
           </a:prstGeom>
         </p:spPr>
       </p:pic>
+      <p:sp>
+        <p:nvSpPr>
+          <p:cNvPr id="8" name="Rectangle à coins arrondis 7"/>
+          <p:cNvSpPr/>
+          <p:nvPr/>
+        </p:nvSpPr>
+        <p:spPr>
+          <a:xfrm>
+            <a:off x="2755900" y="571500"/>
+            <a:ext cx="5973763" cy="5486400"/>
+          </a:xfrm>
+          <a:prstGeom prst="roundRect">
+            <a:avLst/>
+          </a:prstGeom>
+          <a:noFill/>
+        </p:spPr>
+        <p:style>
+          <a:lnRef idx="2">
+            <a:schemeClr val="accent1">
+              <a:shade val="50000"/>
+            </a:schemeClr>
+          </a:lnRef>
+          <a:fillRef idx="1">
+            <a:schemeClr val="accent1"/>
+          </a:fillRef>
+          <a:effectRef idx="0">
+            <a:schemeClr val="accent1"/>
+          </a:effectRef>
+          <a:fontRef idx="minor">
+            <a:schemeClr val="lt1"/>
+          </a:fontRef>
+        </p:style>
+        <p:txBody>
+          <a:bodyPr rtlCol="0" anchor="ctr"/>
+          <a:lstStyle/>
+          <a:p>
+            <a:pPr algn="ctr"/>
+            <a:endParaRPr lang="fr-FR"/>
+          </a:p>
+        </p:txBody>
+      </p:sp>
     </p:spTree>
     <p:extLst>
       <p:ext uri="{BB962C8B-B14F-4D97-AF65-F5344CB8AC3E}">
-        <p14:creationId xmlns:p14="http://schemas.microsoft.com/office/powerpoint/2010/main" val="80586887"/>
+        <p14:creationId xmlns:p14="http://schemas.microsoft.com/office/powerpoint/2010/main" val="1399727775"/>
       </p:ext>
     </p:extLst>
   </p:cSld>
   <p:clrMapOvr>
     <a:masterClrMapping/>
   </p:clrMapOvr>
+  <p:timing>
+    <p:tnLst>
+      <p:par>
+        <p:cTn id="1" dur="indefinite" restart="never" nodeType="tmRoot"/>
+      </p:par>
+    </p:tnLst>
+  </p:timing>
 </p:sld>
 </file>
 
@@ -3477,7 +3589,7 @@
         <p:spPr>
           <a:xfrm>
             <a:off x="2755900" y="1625600"/>
-            <a:ext cx="5973763" cy="2308324"/>
+            <a:ext cx="5726363" cy="2585323"/>
           </a:xfrm>
           <a:prstGeom prst="rect">
             <a:avLst/>
@@ -3494,12 +3606,19 @@
               <a:buFont typeface="Wingdings" charset="2"/>
               <a:buChar char="Ø"/>
             </a:pPr>
-            <a:r>
-              <a:rPr lang="fr-FR" dirty="0"/>
+            <a:endParaRPr lang="fr-FR" dirty="0"/>
+          </a:p>
+          <a:p>
+            <a:pPr marL="285750" indent="-285750" algn="just">
+              <a:buFont typeface="Wingdings" charset="2"/>
+              <a:buChar char="Ø"/>
+            </a:pPr>
+            <a:r>
+              <a:rPr lang="fr-FR" dirty="0" smtClean="0"/>
               <a:t> </a:t>
             </a:r>
             <a:r>
-              <a:rPr lang="fr-FR" b="1" dirty="0" smtClean="0">
+              <a:rPr lang="fr-FR" b="1" dirty="0">
                 <a:solidFill>
                   <a:schemeClr val="accent1"/>
                 </a:solidFill>
@@ -3507,17 +3626,17 @@
               <a:t>12</a:t>
             </a:r>
             <a:r>
-              <a:rPr lang="fr-FR" dirty="0" smtClean="0"/>
+              <a:rPr lang="fr-FR" dirty="0"/>
               <a:t> millions d’euros de coût du Grand Débat vs 250 millions pour une présidentielle </a:t>
             </a:r>
             <a:r>
-              <a:rPr lang="fr-FR" dirty="0" smtClean="0">
+              <a:rPr lang="fr-FR" dirty="0">
                 <a:sym typeface="Wingdings"/>
               </a:rPr>
               <a:t> </a:t>
             </a:r>
             <a:r>
-              <a:rPr lang="fr-FR" dirty="0" smtClean="0"/>
+              <a:rPr lang="fr-FR" dirty="0"/>
               <a:t> un investissement démesuré par rapport à ce qu’il apporte ?</a:t>
             </a:r>
           </a:p>
@@ -3527,11 +3646,11 @@
               <a:buChar char="Ø"/>
             </a:pPr>
             <a:r>
-              <a:rPr lang="fr-FR" dirty="0" smtClean="0"/>
+              <a:rPr lang="fr-FR" dirty="0"/>
               <a:t> A titre de comparaison, la consultation menée par l’Assemblée nationale sur le changement d’heure avait récolté plus de </a:t>
             </a:r>
             <a:r>
-              <a:rPr lang="fr-FR" b="1" dirty="0" smtClean="0">
+              <a:rPr lang="fr-FR" b="1" dirty="0">
                 <a:solidFill>
                   <a:schemeClr val="accent1"/>
                 </a:solidFill>
@@ -3539,7 +3658,7 @@
               <a:t>2 millions </a:t>
             </a:r>
             <a:r>
-              <a:rPr lang="fr-FR" dirty="0" smtClean="0"/>
+              <a:rPr lang="fr-FR" dirty="0"/>
               <a:t>de réponses</a:t>
             </a:r>
           </a:p>
@@ -3549,11 +3668,11 @@
               <a:buChar char="Ø"/>
             </a:pPr>
             <a:r>
-              <a:rPr lang="fr-FR" dirty="0" smtClean="0"/>
+              <a:rPr lang="fr-FR" dirty="0"/>
               <a:t>L’enquête « Ma télévision de demain » menée par France Télévisions avait rassemblé </a:t>
             </a:r>
             <a:r>
-              <a:rPr lang="fr-FR" b="1" dirty="0" smtClean="0">
+              <a:rPr lang="fr-FR" b="1" dirty="0">
                 <a:solidFill>
                   <a:schemeClr val="accent1"/>
                 </a:solidFill>
@@ -3561,7 +3680,7 @@
               <a:t>127 109 </a:t>
             </a:r>
             <a:r>
-              <a:rPr lang="fr-FR" dirty="0" smtClean="0"/>
+              <a:rPr lang="fr-FR" dirty="0"/>
               <a:t>participants</a:t>
             </a:r>
             <a:endParaRPr lang="fr-FR" dirty="0"/>
@@ -3576,8 +3695,8 @@
         </p:nvSpPr>
         <p:spPr>
           <a:xfrm>
-            <a:off x="3811587" y="1012259"/>
-            <a:ext cx="4918076" cy="646331"/>
+            <a:off x="3787523" y="791448"/>
+            <a:ext cx="4670675" cy="646331"/>
           </a:xfrm>
           <a:prstGeom prst="rect">
             <a:avLst/>
@@ -3592,8 +3711,12 @@
           <a:p>
             <a:pPr algn="just"/>
             <a:r>
+              <a:rPr lang="fr-FR" dirty="0"/>
+              <a:t>Pour mieux les comprendre, comparons les chiffres du Grand Débat avec </a:t>
+            </a:r>
+            <a:r>
               <a:rPr lang="fr-FR" dirty="0" smtClean="0"/>
-              <a:t>Pour mieux les comprendre, comparons les chiffres du Grand Débat avec d’autres</a:t>
+              <a:t>d’autres.</a:t>
             </a:r>
             <a:endParaRPr lang="fr-FR" dirty="0"/>
           </a:p>
@@ -3601,7 +3724,7 @@
       </p:sp>
       <p:pic>
         <p:nvPicPr>
-          <p:cNvPr id="3" name="Image 2"/>
+          <p:cNvPr id="5" name="Image 4"/>
           <p:cNvPicPr>
             <a:picLocks noChangeAspect="1"/>
           </p:cNvPicPr>
@@ -3623,7 +3746,7 @@
         </p:blipFill>
         <p:spPr>
           <a:xfrm>
-            <a:off x="3071813" y="1004544"/>
+            <a:off x="3071813" y="742848"/>
             <a:ext cx="739774" cy="739774"/>
           </a:xfrm>
           <a:prstGeom prst="rect">
@@ -3631,16 +3754,64 @@
           </a:prstGeom>
         </p:spPr>
       </p:pic>
+      <p:sp>
+        <p:nvSpPr>
+          <p:cNvPr id="8" name="Rectangle à coins arrondis 7"/>
+          <p:cNvSpPr/>
+          <p:nvPr/>
+        </p:nvSpPr>
+        <p:spPr>
+          <a:xfrm>
+            <a:off x="2755900" y="571500"/>
+            <a:ext cx="5973763" cy="5486400"/>
+          </a:xfrm>
+          <a:prstGeom prst="roundRect">
+            <a:avLst/>
+          </a:prstGeom>
+          <a:noFill/>
+        </p:spPr>
+        <p:style>
+          <a:lnRef idx="2">
+            <a:schemeClr val="accent1">
+              <a:shade val="50000"/>
+            </a:schemeClr>
+          </a:lnRef>
+          <a:fillRef idx="1">
+            <a:schemeClr val="accent1"/>
+          </a:fillRef>
+          <a:effectRef idx="0">
+            <a:schemeClr val="accent1"/>
+          </a:effectRef>
+          <a:fontRef idx="minor">
+            <a:schemeClr val="lt1"/>
+          </a:fontRef>
+        </p:style>
+        <p:txBody>
+          <a:bodyPr rtlCol="0" anchor="ctr"/>
+          <a:lstStyle/>
+          <a:p>
+            <a:pPr algn="ctr"/>
+            <a:endParaRPr lang="fr-FR"/>
+          </a:p>
+        </p:txBody>
+      </p:sp>
     </p:spTree>
     <p:extLst>
       <p:ext uri="{BB962C8B-B14F-4D97-AF65-F5344CB8AC3E}">
-        <p14:creationId xmlns:p14="http://schemas.microsoft.com/office/powerpoint/2010/main" val="362997886"/>
+        <p14:creationId xmlns:p14="http://schemas.microsoft.com/office/powerpoint/2010/main" val="144007627"/>
       </p:ext>
     </p:extLst>
   </p:cSld>
   <p:clrMapOvr>
     <a:masterClrMapping/>
   </p:clrMapOvr>
+  <p:timing>
+    <p:tnLst>
+      <p:par>
+        <p:cTn id="1" dur="indefinite" restart="never" nodeType="tmRoot"/>
+      </p:par>
+    </p:tnLst>
+  </p:timing>
 </p:sld>
 </file>
 

--- a/encadrés limites.pptx
+++ b/encadrés limites.pptx
@@ -2993,10 +2993,7 @@
           </a:bodyPr>
           <a:lstStyle/>
           <a:p>
-            <a:pPr marL="285750" indent="-285750" algn="just">
-              <a:buFont typeface="Wingdings" charset="2"/>
-              <a:buChar char="Ø"/>
-            </a:pPr>
+            <a:pPr lvl="1" algn="just"/>
             <a:r>
               <a:rPr lang="fr-FR" dirty="0" smtClean="0"/>
               <a:t>Certains contributeurs copient collent des dizaines voire des centaines de fois leur texte. On compte ainsi </a:t>
@@ -3015,13 +3012,14 @@
             </a:r>
           </a:p>
           <a:p>
-            <a:pPr marL="285750" indent="-285750" algn="just">
-              <a:buFont typeface="Wingdings" charset="2"/>
-              <a:buChar char="Ø"/>
-            </a:pPr>
+            <a:pPr lvl="1" algn="just"/>
             <a:r>
               <a:rPr lang="fr-FR" dirty="0" smtClean="0"/>
-              <a:t> Plus de la moitié des réponses comportent moins de </a:t>
+              <a:t>Plus </a:t>
+            </a:r>
+            <a:r>
+              <a:rPr lang="fr-FR" dirty="0" smtClean="0"/>
+              <a:t>de la moitié des réponses comportent moins de </a:t>
             </a:r>
             <a:r>
               <a:rPr lang="fr-FR" b="1" dirty="0">
@@ -3029,17 +3027,31 @@
                   <a:schemeClr val="accent1"/>
                 </a:solidFill>
               </a:rPr>
-              <a:t>10 mots</a:t>
-            </a:r>
-          </a:p>
-          <a:p>
-            <a:pPr marL="285750" indent="-285750" algn="just">
-              <a:buFont typeface="Wingdings" charset="2"/>
-              <a:buChar char="Ø"/>
-            </a:pPr>
+              <a:t>10 </a:t>
+            </a:r>
+            <a:r>
+              <a:rPr lang="fr-FR" b="1" dirty="0" smtClean="0">
+                <a:solidFill>
+                  <a:schemeClr val="accent1"/>
+                </a:solidFill>
+              </a:rPr>
+              <a:t>mots.</a:t>
+            </a:r>
+            <a:endParaRPr lang="fr-FR" b="1" dirty="0">
+              <a:solidFill>
+                <a:schemeClr val="accent1"/>
+              </a:solidFill>
+            </a:endParaRPr>
+          </a:p>
+          <a:p>
+            <a:pPr lvl="1" algn="just"/>
             <a:r>
               <a:rPr lang="fr-FR" dirty="0" smtClean="0"/>
-              <a:t> La plupart des contributions concernent des questions fermées : </a:t>
+              <a:t>La </a:t>
+            </a:r>
+            <a:r>
+              <a:rPr lang="fr-FR" dirty="0" smtClean="0"/>
+              <a:t>plupart des contributions concernent des questions fermées : </a:t>
             </a:r>
             <a:r>
               <a:rPr lang="fr-FR" b="1" dirty="0">
@@ -3063,17 +3075,23 @@
             </a:r>
             <a:r>
               <a:rPr lang="fr-FR" dirty="0" smtClean="0"/>
-              <a:t>personnes ont répondu à au moins l’une des questions ouvertes</a:t>
-            </a:r>
-          </a:p>
-          <a:p>
-            <a:pPr marL="285750" indent="-285750" algn="just">
-              <a:buFont typeface="Wingdings" charset="2"/>
-              <a:buChar char="Ø"/>
-            </a:pPr>
+              <a:t>personnes ont répondu à au moins l’une des questions </a:t>
+            </a:r>
             <a:r>
               <a:rPr lang="fr-FR" dirty="0" smtClean="0"/>
-              <a:t> </a:t>
+              <a:t>ouvertes.</a:t>
+            </a:r>
+            <a:endParaRPr lang="fr-FR" dirty="0" smtClean="0"/>
+          </a:p>
+          <a:p>
+            <a:pPr lvl="1" algn="just"/>
+            <a:r>
+              <a:rPr lang="fr-FR" b="1" dirty="0" smtClean="0">
+                <a:solidFill>
+                  <a:schemeClr val="accent1"/>
+                </a:solidFill>
+              </a:rPr>
+              <a:t>53</a:t>
             </a:r>
             <a:r>
               <a:rPr lang="fr-FR" b="1" dirty="0">
@@ -3081,7 +3099,7 @@
                   <a:schemeClr val="accent1"/>
                 </a:solidFill>
               </a:rPr>
-              <a:t>53% </a:t>
+              <a:t>% </a:t>
             </a:r>
             <a:r>
               <a:rPr lang="fr-FR" dirty="0" smtClean="0"/>
@@ -3101,14 +3119,7 @@
             </a:r>
           </a:p>
           <a:p>
-            <a:pPr marL="285750" indent="-285750" algn="just">
-              <a:buFont typeface="Wingdings" charset="2"/>
-              <a:buChar char="Ø"/>
-            </a:pPr>
-            <a:r>
-              <a:rPr lang="fr-FR" dirty="0" smtClean="0"/>
-              <a:t> </a:t>
-            </a:r>
+            <a:pPr lvl="1" algn="just"/>
             <a:r>
               <a:rPr lang="fr-FR" b="1" dirty="0" smtClean="0">
                 <a:solidFill>
@@ -3147,8 +3158,21 @@
                   <a:schemeClr val="accent1"/>
                 </a:solidFill>
               </a:rPr>
-              <a:t>2,6 millions de doublons</a:t>
-            </a:r>
+              <a:t>2,6 millions de </a:t>
+            </a:r>
+            <a:r>
+              <a:rPr lang="fr-FR" b="1" dirty="0" smtClean="0">
+                <a:solidFill>
+                  <a:schemeClr val="accent1"/>
+                </a:solidFill>
+              </a:rPr>
+              <a:t>doublons.</a:t>
+            </a:r>
+            <a:endParaRPr lang="fr-FR" b="1" dirty="0">
+              <a:solidFill>
+                <a:schemeClr val="accent1"/>
+              </a:solidFill>
+            </a:endParaRPr>
           </a:p>
         </p:txBody>
       </p:sp>
@@ -3176,7 +3200,7 @@
         </p:blipFill>
         <p:spPr>
           <a:xfrm>
-            <a:off x="2928523" y="969920"/>
+            <a:off x="3042827" y="969920"/>
             <a:ext cx="650874" cy="650874"/>
           </a:xfrm>
           <a:prstGeom prst="rect">
@@ -3237,8 +3261,8 @@
         </p:nvSpPr>
         <p:spPr>
           <a:xfrm>
-            <a:off x="2755900" y="571500"/>
-            <a:ext cx="5973763" cy="5486400"/>
+            <a:off x="2755900" y="428625"/>
+            <a:ext cx="6216650" cy="5729288"/>
           </a:xfrm>
           <a:prstGeom prst="roundRect">
             <a:avLst/>
@@ -3329,24 +3353,15 @@
           </a:bodyPr>
           <a:lstStyle/>
           <a:p>
-            <a:pPr marL="285750" indent="-285750" algn="just">
-              <a:buFont typeface="Wingdings" charset="2"/>
-              <a:buChar char="Ø"/>
-            </a:pPr>
+            <a:pPr lvl="1" algn="just"/>
             <a:endParaRPr lang="fr-FR" dirty="0" smtClean="0"/>
           </a:p>
           <a:p>
-            <a:pPr marL="285750" indent="-285750" algn="just">
-              <a:buFont typeface="Wingdings" charset="2"/>
-              <a:buChar char="Ø"/>
-            </a:pPr>
+            <a:pPr lvl="1" algn="just"/>
             <a:endParaRPr lang="fr-FR" dirty="0" smtClean="0"/>
           </a:p>
           <a:p>
-            <a:pPr marL="285750" indent="-285750" algn="just">
-              <a:buFont typeface="Wingdings" charset="2"/>
-              <a:buChar char="Ø"/>
-            </a:pPr>
+            <a:pPr lvl="1" algn="just"/>
             <a:r>
               <a:rPr lang="fr-FR" dirty="0" smtClean="0"/>
               <a:t>Des </a:t>
@@ -3385,14 +3400,16 @@
             </a:r>
             <a:r>
               <a:rPr lang="fr-FR" dirty="0"/>
-              <a:t>textes écrits dans les champs de libre expressions</a:t>
-            </a:r>
-          </a:p>
-          <a:p>
-            <a:pPr marL="285750" indent="-285750" algn="just">
-              <a:buFont typeface="Wingdings" charset="2"/>
-              <a:buChar char="Ø"/>
-            </a:pPr>
+              <a:t>textes écrits dans les champs de libre </a:t>
+            </a:r>
+            <a:r>
+              <a:rPr lang="fr-FR" dirty="0" smtClean="0"/>
+              <a:t>expressions.</a:t>
+            </a:r>
+            <a:endParaRPr lang="fr-FR" dirty="0"/>
+          </a:p>
+          <a:p>
+            <a:pPr lvl="1" algn="just"/>
             <a:r>
               <a:rPr lang="fr-FR" dirty="0"/>
               <a:t>Le texte le plus long comporte </a:t>
@@ -3419,7 +3436,11 @@
             </a:r>
             <a:r>
               <a:rPr lang="fr-FR" dirty="0"/>
-              <a:t>par champ d’expression</a:t>
+              <a:t>par champ </a:t>
+            </a:r>
+            <a:r>
+              <a:rPr lang="fr-FR" dirty="0" smtClean="0"/>
+              <a:t>d’expression.</a:t>
             </a:r>
             <a:endParaRPr lang="fr-FR" dirty="0"/>
           </a:p>
@@ -3494,7 +3515,7 @@
         </p:blipFill>
         <p:spPr>
           <a:xfrm>
-            <a:off x="2999419" y="914072"/>
+            <a:off x="3056571" y="914072"/>
             <a:ext cx="643893" cy="643893"/>
           </a:xfrm>
           <a:prstGeom prst="rect">
@@ -3504,14 +3525,14 @@
       </p:pic>
       <p:sp>
         <p:nvSpPr>
-          <p:cNvPr id="8" name="Rectangle à coins arrondis 7"/>
+          <p:cNvPr id="9" name="Rectangle à coins arrondis 8"/>
           <p:cNvSpPr/>
           <p:nvPr/>
         </p:nvSpPr>
         <p:spPr>
           <a:xfrm>
-            <a:off x="2755900" y="571500"/>
-            <a:ext cx="5973763" cy="5486400"/>
+            <a:off x="2755900" y="428625"/>
+            <a:ext cx="6216650" cy="5729288"/>
           </a:xfrm>
           <a:prstGeom prst="roundRect">
             <a:avLst/>
@@ -3589,7 +3610,7 @@
         <p:spPr>
           <a:xfrm>
             <a:off x="2755900" y="1625600"/>
-            <a:ext cx="5726363" cy="2585323"/>
+            <a:ext cx="5726363" cy="2862322"/>
           </a:xfrm>
           <a:prstGeom prst="rect">
             <a:avLst/>
@@ -3602,23 +3623,13 @@
           </a:bodyPr>
           <a:lstStyle/>
           <a:p>
-            <a:pPr marL="285750" indent="-285750" algn="just">
-              <a:buFont typeface="Wingdings" charset="2"/>
-              <a:buChar char="Ø"/>
-            </a:pPr>
+            <a:pPr lvl="1" algn="just"/>
             <a:endParaRPr lang="fr-FR" dirty="0"/>
           </a:p>
           <a:p>
-            <a:pPr marL="285750" indent="-285750" algn="just">
-              <a:buFont typeface="Wingdings" charset="2"/>
-              <a:buChar char="Ø"/>
-            </a:pPr>
-            <a:r>
-              <a:rPr lang="fr-FR" dirty="0" smtClean="0"/>
-              <a:t> </a:t>
-            </a:r>
-            <a:r>
-              <a:rPr lang="fr-FR" b="1" dirty="0">
+            <a:pPr lvl="1" algn="just"/>
+            <a:r>
+              <a:rPr lang="fr-FR" b="1" dirty="0" smtClean="0">
                 <a:solidFill>
                   <a:schemeClr val="accent1"/>
                 </a:solidFill>
@@ -3626,8 +3637,12 @@
               <a:t>12</a:t>
             </a:r>
             <a:r>
+              <a:rPr lang="fr-FR" dirty="0" smtClean="0"/>
+              <a:t> </a:t>
+            </a:r>
+            <a:r>
               <a:rPr lang="fr-FR" dirty="0"/>
-              <a:t> millions d’euros de coût du Grand Débat vs 250 millions pour une présidentielle </a:t>
+              <a:t>millions d’euros de coût du Grand Débat vs 250 millions pour une présidentielle </a:t>
             </a:r>
             <a:r>
               <a:rPr lang="fr-FR" dirty="0">
@@ -3641,10 +3656,7 @@
             </a:r>
           </a:p>
           <a:p>
-            <a:pPr marL="285750" indent="-285750" algn="just">
-              <a:buFont typeface="Wingdings" charset="2"/>
-              <a:buChar char="Ø"/>
-            </a:pPr>
+            <a:pPr lvl="1" algn="just"/>
             <a:r>
               <a:rPr lang="fr-FR" dirty="0"/>
               <a:t> A titre de comparaison, la consultation menée par l’Assemblée nationale sur le changement d’heure avait récolté plus de </a:t>
@@ -3659,14 +3671,16 @@
             </a:r>
             <a:r>
               <a:rPr lang="fr-FR" dirty="0"/>
-              <a:t>de réponses</a:t>
-            </a:r>
-          </a:p>
-          <a:p>
-            <a:pPr marL="285750" indent="-285750" algn="just">
-              <a:buFont typeface="Wingdings" charset="2"/>
-              <a:buChar char="Ø"/>
-            </a:pPr>
+              <a:t>de </a:t>
+            </a:r>
+            <a:r>
+              <a:rPr lang="fr-FR" dirty="0" smtClean="0"/>
+              <a:t>réponses.</a:t>
+            </a:r>
+            <a:endParaRPr lang="fr-FR" dirty="0"/>
+          </a:p>
+          <a:p>
+            <a:pPr lvl="1" algn="just"/>
             <a:r>
               <a:rPr lang="fr-FR" dirty="0"/>
               <a:t>L’enquête « Ma télévision de demain » menée par France Télévisions avait rassemblé </a:t>
@@ -3680,8 +3694,8 @@
               <a:t>127 109 </a:t>
             </a:r>
             <a:r>
-              <a:rPr lang="fr-FR" dirty="0"/>
-              <a:t>participants</a:t>
+              <a:rPr lang="fr-FR" dirty="0" smtClean="0"/>
+              <a:t>participants.</a:t>
             </a:r>
             <a:endParaRPr lang="fr-FR" dirty="0"/>
           </a:p>
@@ -3756,14 +3770,14 @@
       </p:pic>
       <p:sp>
         <p:nvSpPr>
-          <p:cNvPr id="8" name="Rectangle à coins arrondis 7"/>
+          <p:cNvPr id="9" name="Rectangle à coins arrondis 8"/>
           <p:cNvSpPr/>
           <p:nvPr/>
         </p:nvSpPr>
         <p:spPr>
           <a:xfrm>
-            <a:off x="2755900" y="571500"/>
-            <a:ext cx="5973763" cy="5486400"/>
+            <a:off x="2755900" y="428625"/>
+            <a:ext cx="6216650" cy="5729288"/>
           </a:xfrm>
           <a:prstGeom prst="roundRect">
             <a:avLst/>
